--- a/img/General_PPT.pptx
+++ b/img/General_PPT.pptx
@@ -9,6 +9,7 @@
     <p:sldId id="257" r:id="rId3"/>
     <p:sldId id="259" r:id="rId4"/>
     <p:sldId id="260" r:id="rId5"/>
+    <p:sldId id="261" r:id="rId6"/>
   </p:sldIdLst>
   <p:sldSz cx="12192000" cy="6858000"/>
   <p:notesSz cx="6858000" cy="9144000"/>
@@ -2099,7 +2100,6 @@
             <a:rPr lang="en-US" dirty="0"/>
             <a:t>CALCULATED ALE AFTER APPLYING COUNTER MEASURES</a:t>
           </a:r>
-          <a:endParaRPr lang="en-US" dirty="0"/>
         </a:p>
       </dgm:t>
     </dgm:pt>
@@ -3378,7 +3378,7 @@
         </a:bodyPr>
         <a:lstStyle/>
         <a:p>
-          <a:pPr marL="0" lvl="0" indent="0" algn="ctr" defTabSz="400050">
+          <a:pPr marL="0" lvl="0" indent="0" algn="ctr" defTabSz="44450">
             <a:lnSpc>
               <a:spcPct val="90000"/>
             </a:lnSpc>
@@ -3390,7 +3390,7 @@
             </a:spcAft>
             <a:buNone/>
           </a:pPr>
-          <a:endParaRPr lang="en-US" sz="900" kern="1200"/>
+          <a:endParaRPr lang="en-US" sz="100" kern="1200"/>
         </a:p>
       </dsp:txBody>
       <dsp:txXfrm>
@@ -3526,7 +3526,7 @@
         </a:bodyPr>
         <a:lstStyle/>
         <a:p>
-          <a:pPr marL="0" lvl="0" indent="0" algn="ctr" defTabSz="400050">
+          <a:pPr marL="0" lvl="0" indent="0" algn="ctr" defTabSz="44450">
             <a:lnSpc>
               <a:spcPct val="90000"/>
             </a:lnSpc>
@@ -3538,7 +3538,7 @@
             </a:spcAft>
             <a:buNone/>
           </a:pPr>
-          <a:endParaRPr lang="en-US" sz="900" kern="1200"/>
+          <a:endParaRPr lang="en-US" sz="100" kern="1200"/>
         </a:p>
       </dsp:txBody>
       <dsp:txXfrm rot="10800000">
@@ -3617,7 +3617,6 @@
             <a:rPr lang="en-US" sz="1100" kern="1200" dirty="0"/>
             <a:t>CALCULATED ALE AFTER APPLYING COUNTER MEASURES</a:t>
           </a:r>
-          <a:endParaRPr lang="en-US" sz="1100" kern="1200" dirty="0"/>
         </a:p>
       </dsp:txBody>
       <dsp:txXfrm>
@@ -6304,7 +6303,7 @@
           <a:p>
             <a:fld id="{5ED8A272-91DA-4E2F-B9E1-B66E578A3FD3}" type="datetimeFigureOut">
               <a:rPr lang="en-US" smtClean="0"/>
-              <a:t>9/23/2017</a:t>
+              <a:t>9/24/2017</a:t>
             </a:fld>
             <a:endParaRPr lang="en-US"/>
           </a:p>
@@ -6472,7 +6471,7 @@
           <a:p>
             <a:fld id="{5ED8A272-91DA-4E2F-B9E1-B66E578A3FD3}" type="datetimeFigureOut">
               <a:rPr lang="en-US" smtClean="0"/>
-              <a:t>9/23/2017</a:t>
+              <a:t>9/24/2017</a:t>
             </a:fld>
             <a:endParaRPr lang="en-US"/>
           </a:p>
@@ -6650,7 +6649,7 @@
           <a:p>
             <a:fld id="{5ED8A272-91DA-4E2F-B9E1-B66E578A3FD3}" type="datetimeFigureOut">
               <a:rPr lang="en-US" smtClean="0"/>
-              <a:t>9/23/2017</a:t>
+              <a:t>9/24/2017</a:t>
             </a:fld>
             <a:endParaRPr lang="en-US"/>
           </a:p>
@@ -6818,7 +6817,7 @@
           <a:p>
             <a:fld id="{5ED8A272-91DA-4E2F-B9E1-B66E578A3FD3}" type="datetimeFigureOut">
               <a:rPr lang="en-US" smtClean="0"/>
-              <a:t>9/23/2017</a:t>
+              <a:t>9/24/2017</a:t>
             </a:fld>
             <a:endParaRPr lang="en-US"/>
           </a:p>
@@ -7063,7 +7062,7 @@
           <a:p>
             <a:fld id="{5ED8A272-91DA-4E2F-B9E1-B66E578A3FD3}" type="datetimeFigureOut">
               <a:rPr lang="en-US" smtClean="0"/>
-              <a:t>9/23/2017</a:t>
+              <a:t>9/24/2017</a:t>
             </a:fld>
             <a:endParaRPr lang="en-US"/>
           </a:p>
@@ -7292,7 +7291,7 @@
           <a:p>
             <a:fld id="{5ED8A272-91DA-4E2F-B9E1-B66E578A3FD3}" type="datetimeFigureOut">
               <a:rPr lang="en-US" smtClean="0"/>
-              <a:t>9/23/2017</a:t>
+              <a:t>9/24/2017</a:t>
             </a:fld>
             <a:endParaRPr lang="en-US"/>
           </a:p>
@@ -7656,7 +7655,7 @@
           <a:p>
             <a:fld id="{5ED8A272-91DA-4E2F-B9E1-B66E578A3FD3}" type="datetimeFigureOut">
               <a:rPr lang="en-US" smtClean="0"/>
-              <a:t>9/23/2017</a:t>
+              <a:t>9/24/2017</a:t>
             </a:fld>
             <a:endParaRPr lang="en-US"/>
           </a:p>
@@ -7773,7 +7772,7 @@
           <a:p>
             <a:fld id="{5ED8A272-91DA-4E2F-B9E1-B66E578A3FD3}" type="datetimeFigureOut">
               <a:rPr lang="en-US" smtClean="0"/>
-              <a:t>9/23/2017</a:t>
+              <a:t>9/24/2017</a:t>
             </a:fld>
             <a:endParaRPr lang="en-US"/>
           </a:p>
@@ -7868,7 +7867,7 @@
           <a:p>
             <a:fld id="{5ED8A272-91DA-4E2F-B9E1-B66E578A3FD3}" type="datetimeFigureOut">
               <a:rPr lang="en-US" smtClean="0"/>
-              <a:t>9/23/2017</a:t>
+              <a:t>9/24/2017</a:t>
             </a:fld>
             <a:endParaRPr lang="en-US"/>
           </a:p>
@@ -8143,7 +8142,7 @@
           <a:p>
             <a:fld id="{5ED8A272-91DA-4E2F-B9E1-B66E578A3FD3}" type="datetimeFigureOut">
               <a:rPr lang="en-US" smtClean="0"/>
-              <a:t>9/23/2017</a:t>
+              <a:t>9/24/2017</a:t>
             </a:fld>
             <a:endParaRPr lang="en-US"/>
           </a:p>
@@ -8395,7 +8394,7 @@
           <a:p>
             <a:fld id="{5ED8A272-91DA-4E2F-B9E1-B66E578A3FD3}" type="datetimeFigureOut">
               <a:rPr lang="en-US" smtClean="0"/>
-              <a:t>9/23/2017</a:t>
+              <a:t>9/24/2017</a:t>
             </a:fld>
             <a:endParaRPr lang="en-US"/>
           </a:p>
@@ -8606,7 +8605,7 @@
           <a:p>
             <a:fld id="{5ED8A272-91DA-4E2F-B9E1-B66E578A3FD3}" type="datetimeFigureOut">
               <a:rPr lang="en-US" smtClean="0"/>
-              <a:t>9/23/2017</a:t>
+              <a:t>9/24/2017</a:t>
             </a:fld>
             <a:endParaRPr lang="en-US"/>
           </a:p>
@@ -11065,6 +11064,903 @@
 </p:sld>
 </file>
 
+<file path=ppt/slides/slide5.xml><?xml version="1.0" encoding="utf-8"?>
+<p:sld xmlns:a="http://schemas.openxmlformats.org/drawingml/2006/main" xmlns:r="http://schemas.openxmlformats.org/officeDocument/2006/relationships" xmlns:p="http://schemas.openxmlformats.org/presentationml/2006/main">
+  <p:cSld>
+    <p:spTree>
+      <p:nvGrpSpPr>
+        <p:cNvPr id="1" name=""/>
+        <p:cNvGrpSpPr/>
+        <p:nvPr/>
+      </p:nvGrpSpPr>
+      <p:grpSpPr>
+        <a:xfrm>
+          <a:off x="0" y="0"/>
+          <a:ext cx="0" cy="0"/>
+          <a:chOff x="0" y="0"/>
+          <a:chExt cx="0" cy="0"/>
+        </a:xfrm>
+      </p:grpSpPr>
+      <p:sp>
+        <p:nvSpPr>
+          <p:cNvPr id="5" name="Shape 154"/>
+          <p:cNvSpPr txBox="1">
+            <a:spLocks noGrp="1"/>
+          </p:cNvSpPr>
+          <p:nvPr>
+            <p:ph type="title"/>
+          </p:nvPr>
+        </p:nvSpPr>
+        <p:spPr>
+          <a:xfrm>
+            <a:off x="229424" y="261488"/>
+            <a:ext cx="9572701" cy="584268"/>
+          </a:xfrm>
+          <a:prstGeom prst="rect">
+            <a:avLst/>
+          </a:prstGeom>
+          <a:solidFill>
+            <a:schemeClr val="accent1">
+              <a:lumMod val="50000"/>
+            </a:schemeClr>
+          </a:solidFill>
+          <a:ln>
+            <a:noFill/>
+          </a:ln>
+        </p:spPr>
+        <p:txBody>
+          <a:bodyPr wrap="square" lIns="91425" tIns="45700" rIns="91425" bIns="45700" anchor="t" anchorCtr="0">
+            <a:noAutofit/>
+          </a:bodyPr>
+          <a:lstStyle/>
+          <a:p>
+            <a:pPr marL="0" marR="0" lvl="0" indent="0" algn="ctr" rtl="0">
+              <a:spcBef>
+                <a:spcPts val="0"/>
+              </a:spcBef>
+              <a:buClr>
+                <a:schemeClr val="accent1"/>
+              </a:buClr>
+              <a:buSzPct val="25000"/>
+              <a:buFont typeface="Trebuchet MS"/>
+              <a:buNone/>
+            </a:pPr>
+            <a:r>
+              <a:rPr lang="en-US" sz="3600" dirty="0">
+                <a:solidFill>
+                  <a:schemeClr val="bg1"/>
+                </a:solidFill>
+              </a:rPr>
+              <a:t>TECHNOLOGIES IMPACTING RETAIL INDUSTRY</a:t>
+            </a:r>
+          </a:p>
+        </p:txBody>
+      </p:sp>
+      <p:sp>
+        <p:nvSpPr>
+          <p:cNvPr id="6" name="Shape 155"/>
+          <p:cNvSpPr/>
+          <p:nvPr/>
+        </p:nvSpPr>
+        <p:spPr>
+          <a:xfrm>
+            <a:off x="49311" y="2769855"/>
+            <a:ext cx="1939897" cy="1642516"/>
+          </a:xfrm>
+          <a:prstGeom prst="ellipse">
+            <a:avLst/>
+          </a:prstGeom>
+          <a:solidFill>
+            <a:schemeClr val="accent2"/>
+          </a:solidFill>
+          <a:ln w="19050" cap="rnd" cmpd="sng">
+            <a:solidFill>
+              <a:srgbClr val="4594AE"/>
+            </a:solidFill>
+            <a:prstDash val="solid"/>
+            <a:round/>
+            <a:headEnd type="none" w="med" len="med"/>
+            <a:tailEnd type="none" w="med" len="med"/>
+          </a:ln>
+        </p:spPr>
+        <p:txBody>
+          <a:bodyPr wrap="square" lIns="91425" tIns="45700" rIns="91425" bIns="45700" anchor="ctr" anchorCtr="0">
+            <a:noAutofit/>
+          </a:bodyPr>
+          <a:lstStyle/>
+          <a:p>
+            <a:pPr marL="0" marR="0" lvl="0" indent="0" algn="ctr" rtl="0">
+              <a:spcBef>
+                <a:spcPts val="0"/>
+              </a:spcBef>
+              <a:buSzPct val="25000"/>
+              <a:buNone/>
+            </a:pPr>
+            <a:r>
+              <a:rPr lang="en-US" sz="1800" b="0" i="0" u="none" strike="noStrike" cap="none" dirty="0">
+                <a:solidFill>
+                  <a:schemeClr val="lt1"/>
+                </a:solidFill>
+                <a:latin typeface="Trebuchet MS"/>
+                <a:ea typeface="Trebuchet MS"/>
+                <a:cs typeface="Trebuchet MS"/>
+                <a:sym typeface="Trebuchet MS"/>
+              </a:rPr>
+              <a:t>Electronic Tracking and Product Mapping</a:t>
+            </a:r>
+          </a:p>
+        </p:txBody>
+      </p:sp>
+      <p:sp>
+        <p:nvSpPr>
+          <p:cNvPr id="7" name="Shape 156"/>
+          <p:cNvSpPr/>
+          <p:nvPr/>
+        </p:nvSpPr>
+        <p:spPr>
+          <a:xfrm>
+            <a:off x="49311" y="4595466"/>
+            <a:ext cx="2297810" cy="1736620"/>
+          </a:xfrm>
+          <a:prstGeom prst="ellipse">
+            <a:avLst/>
+          </a:prstGeom>
+          <a:solidFill>
+            <a:schemeClr val="accent2"/>
+          </a:solidFill>
+          <a:ln w="19050" cap="rnd" cmpd="sng">
+            <a:solidFill>
+              <a:srgbClr val="4594AE"/>
+            </a:solidFill>
+            <a:prstDash val="solid"/>
+            <a:round/>
+            <a:headEnd type="none" w="med" len="med"/>
+            <a:tailEnd type="none" w="med" len="med"/>
+          </a:ln>
+        </p:spPr>
+        <p:txBody>
+          <a:bodyPr wrap="square" lIns="91425" tIns="45700" rIns="91425" bIns="45700" anchor="ctr" anchorCtr="0">
+            <a:noAutofit/>
+          </a:bodyPr>
+          <a:lstStyle/>
+          <a:p>
+            <a:pPr marL="0" marR="0" lvl="0" indent="0" algn="ctr" rtl="0">
+              <a:spcBef>
+                <a:spcPts val="0"/>
+              </a:spcBef>
+              <a:buSzPct val="25000"/>
+              <a:buNone/>
+            </a:pPr>
+            <a:r>
+              <a:rPr lang="en-US" sz="1800" b="0" i="0" u="none" strike="noStrike" cap="none" dirty="0">
+                <a:solidFill>
+                  <a:schemeClr val="lt1"/>
+                </a:solidFill>
+                <a:latin typeface="Trebuchet MS"/>
+                <a:ea typeface="Trebuchet MS"/>
+                <a:cs typeface="Trebuchet MS"/>
+                <a:sym typeface="Trebuchet MS"/>
+              </a:rPr>
+              <a:t>The Rise of e-retailing platforms</a:t>
+            </a:r>
+          </a:p>
+        </p:txBody>
+      </p:sp>
+      <p:sp>
+        <p:nvSpPr>
+          <p:cNvPr id="8" name="Shape 157"/>
+          <p:cNvSpPr/>
+          <p:nvPr/>
+        </p:nvSpPr>
+        <p:spPr>
+          <a:xfrm>
+            <a:off x="2230480" y="1291472"/>
+            <a:ext cx="2785295" cy="1423577"/>
+          </a:xfrm>
+          <a:prstGeom prst="ellipse">
+            <a:avLst/>
+          </a:prstGeom>
+          <a:solidFill>
+            <a:schemeClr val="accent2"/>
+          </a:solidFill>
+          <a:ln w="19050" cap="rnd" cmpd="sng">
+            <a:solidFill>
+              <a:srgbClr val="4594AE"/>
+            </a:solidFill>
+            <a:prstDash val="solid"/>
+            <a:round/>
+            <a:headEnd type="none" w="med" len="med"/>
+            <a:tailEnd type="none" w="med" len="med"/>
+          </a:ln>
+        </p:spPr>
+        <p:txBody>
+          <a:bodyPr wrap="square" lIns="91425" tIns="45700" rIns="91425" bIns="45700" anchor="ctr" anchorCtr="0">
+            <a:noAutofit/>
+          </a:bodyPr>
+          <a:lstStyle/>
+          <a:p>
+            <a:pPr marL="0" marR="0" lvl="0" indent="0" algn="ctr" rtl="0">
+              <a:spcBef>
+                <a:spcPts val="0"/>
+              </a:spcBef>
+              <a:buSzPct val="25000"/>
+              <a:buNone/>
+            </a:pPr>
+            <a:r>
+              <a:rPr lang="en-US" sz="1800" b="0" i="0" u="none" strike="noStrike" cap="none" dirty="0">
+                <a:solidFill>
+                  <a:schemeClr val="lt1"/>
+                </a:solidFill>
+                <a:latin typeface="Trebuchet MS"/>
+                <a:ea typeface="Trebuchet MS"/>
+                <a:cs typeface="Trebuchet MS"/>
+                <a:sym typeface="Trebuchet MS"/>
+              </a:rPr>
+              <a:t>Direct</a:t>
+            </a:r>
+          </a:p>
+          <a:p>
+            <a:pPr marL="0" marR="0" lvl="0" indent="0" algn="ctr" rtl="0">
+              <a:spcBef>
+                <a:spcPts val="0"/>
+              </a:spcBef>
+              <a:buSzPct val="25000"/>
+              <a:buNone/>
+            </a:pPr>
+            <a:r>
+              <a:rPr lang="en-US" sz="1800" b="0" i="0" u="none" strike="noStrike" cap="none" dirty="0">
+                <a:solidFill>
+                  <a:schemeClr val="lt1"/>
+                </a:solidFill>
+                <a:latin typeface="Trebuchet MS"/>
+                <a:ea typeface="Trebuchet MS"/>
+                <a:cs typeface="Trebuchet MS"/>
+                <a:sym typeface="Trebuchet MS"/>
+              </a:rPr>
+              <a:t>-</a:t>
+            </a:r>
+            <a:r>
+              <a:rPr lang="en-US" sz="1800" dirty="0">
+                <a:solidFill>
+                  <a:schemeClr val="lt1"/>
+                </a:solidFill>
+                <a:latin typeface="Trebuchet MS"/>
+                <a:ea typeface="Trebuchet MS"/>
+                <a:cs typeface="Trebuchet MS"/>
+                <a:sym typeface="Trebuchet MS"/>
+              </a:rPr>
+              <a:t>to-</a:t>
+            </a:r>
+          </a:p>
+          <a:p>
+            <a:pPr marL="0" marR="0" lvl="0" indent="0" algn="ctr" rtl="0">
+              <a:spcBef>
+                <a:spcPts val="0"/>
+              </a:spcBef>
+              <a:buSzPct val="25000"/>
+              <a:buNone/>
+            </a:pPr>
+            <a:r>
+              <a:rPr lang="en-US" sz="1800" dirty="0">
+                <a:solidFill>
+                  <a:schemeClr val="lt1"/>
+                </a:solidFill>
+                <a:latin typeface="Trebuchet MS"/>
+                <a:ea typeface="Trebuchet MS"/>
+                <a:cs typeface="Trebuchet MS"/>
+                <a:sym typeface="Trebuchet MS"/>
+              </a:rPr>
+              <a:t>Consumer</a:t>
+            </a:r>
+            <a:r>
+              <a:rPr lang="en-US" sz="1800" b="0" i="0" u="none" strike="noStrike" cap="none" dirty="0">
+                <a:solidFill>
+                  <a:schemeClr val="lt1"/>
+                </a:solidFill>
+                <a:latin typeface="Trebuchet MS"/>
+                <a:ea typeface="Trebuchet MS"/>
+                <a:cs typeface="Trebuchet MS"/>
+                <a:sym typeface="Trebuchet MS"/>
+              </a:rPr>
+              <a:t> </a:t>
+            </a:r>
+          </a:p>
+          <a:p>
+            <a:pPr marL="0" marR="0" lvl="0" indent="0" algn="ctr" rtl="0">
+              <a:spcBef>
+                <a:spcPts val="0"/>
+              </a:spcBef>
+              <a:buSzPct val="25000"/>
+              <a:buNone/>
+            </a:pPr>
+            <a:r>
+              <a:rPr lang="en-US" sz="1800" b="0" i="0" u="none" strike="noStrike" cap="none" dirty="0">
+                <a:solidFill>
+                  <a:schemeClr val="lt1"/>
+                </a:solidFill>
+                <a:latin typeface="Trebuchet MS"/>
+                <a:ea typeface="Trebuchet MS"/>
+                <a:cs typeface="Trebuchet MS"/>
+                <a:sym typeface="Trebuchet MS"/>
+              </a:rPr>
+              <a:t>Mobile Applications</a:t>
+            </a:r>
+          </a:p>
+        </p:txBody>
+      </p:sp>
+      <p:sp>
+        <p:nvSpPr>
+          <p:cNvPr id="9" name="Shape 158"/>
+          <p:cNvSpPr/>
+          <p:nvPr/>
+        </p:nvSpPr>
+        <p:spPr>
+          <a:xfrm>
+            <a:off x="4242889" y="4535147"/>
+            <a:ext cx="2297810" cy="1766432"/>
+          </a:xfrm>
+          <a:prstGeom prst="ellipse">
+            <a:avLst/>
+          </a:prstGeom>
+          <a:solidFill>
+            <a:schemeClr val="accent2"/>
+          </a:solidFill>
+          <a:ln w="19050" cap="rnd" cmpd="sng">
+            <a:solidFill>
+              <a:srgbClr val="4594AE"/>
+            </a:solidFill>
+            <a:prstDash val="solid"/>
+            <a:round/>
+            <a:headEnd type="none" w="med" len="med"/>
+            <a:tailEnd type="none" w="med" len="med"/>
+          </a:ln>
+        </p:spPr>
+        <p:txBody>
+          <a:bodyPr wrap="square" lIns="91425" tIns="45700" rIns="91425" bIns="45700" anchor="ctr" anchorCtr="0">
+            <a:noAutofit/>
+          </a:bodyPr>
+          <a:lstStyle/>
+          <a:p>
+            <a:pPr marL="0" marR="0" lvl="0" indent="0" algn="ctr" rtl="0">
+              <a:spcBef>
+                <a:spcPts val="0"/>
+              </a:spcBef>
+              <a:buSzPct val="25000"/>
+              <a:buNone/>
+            </a:pPr>
+            <a:r>
+              <a:rPr lang="en-US" sz="1800" b="0" i="0" u="none" strike="noStrike" cap="none" dirty="0">
+                <a:solidFill>
+                  <a:schemeClr val="lt1"/>
+                </a:solidFill>
+                <a:latin typeface="Trebuchet MS"/>
+                <a:ea typeface="Trebuchet MS"/>
+                <a:cs typeface="Trebuchet MS"/>
+                <a:sym typeface="Trebuchet MS"/>
+              </a:rPr>
+              <a:t>Retail Electronic Payment Systems</a:t>
+            </a:r>
+          </a:p>
+        </p:txBody>
+      </p:sp>
+      <p:sp>
+        <p:nvSpPr>
+          <p:cNvPr id="10" name="Shape 159"/>
+          <p:cNvSpPr/>
+          <p:nvPr/>
+        </p:nvSpPr>
+        <p:spPr>
+          <a:xfrm>
+            <a:off x="5320936" y="2769855"/>
+            <a:ext cx="2149899" cy="1685089"/>
+          </a:xfrm>
+          <a:prstGeom prst="ellipse">
+            <a:avLst/>
+          </a:prstGeom>
+          <a:solidFill>
+            <a:schemeClr val="accent2"/>
+          </a:solidFill>
+          <a:ln w="19050" cap="rnd" cmpd="sng">
+            <a:solidFill>
+              <a:srgbClr val="4594AE"/>
+            </a:solidFill>
+            <a:prstDash val="solid"/>
+            <a:round/>
+            <a:headEnd type="none" w="med" len="med"/>
+            <a:tailEnd type="none" w="med" len="med"/>
+          </a:ln>
+        </p:spPr>
+        <p:txBody>
+          <a:bodyPr wrap="square" lIns="91425" tIns="45700" rIns="91425" bIns="45700" anchor="ctr" anchorCtr="0">
+            <a:noAutofit/>
+          </a:bodyPr>
+          <a:lstStyle/>
+          <a:p>
+            <a:pPr marL="0" marR="0" lvl="0" indent="0" algn="ctr" rtl="0">
+              <a:spcBef>
+                <a:spcPts val="0"/>
+              </a:spcBef>
+              <a:buSzPct val="25000"/>
+              <a:buNone/>
+            </a:pPr>
+            <a:r>
+              <a:rPr lang="en-US" sz="1800" b="0" i="0" u="none" strike="noStrike" cap="none" dirty="0">
+                <a:solidFill>
+                  <a:schemeClr val="lt1"/>
+                </a:solidFill>
+                <a:latin typeface="Trebuchet MS"/>
+                <a:ea typeface="Trebuchet MS"/>
+                <a:cs typeface="Trebuchet MS"/>
+                <a:sym typeface="Trebuchet MS"/>
+              </a:rPr>
+              <a:t>Warehouse Technologies</a:t>
+            </a:r>
+          </a:p>
+        </p:txBody>
+      </p:sp>
+      <p:pic>
+        <p:nvPicPr>
+          <p:cNvPr id="11" name="Picture 2" descr="Image result for future"/>
+          <p:cNvPicPr>
+            <a:picLocks noChangeAspect="1" noChangeArrowheads="1"/>
+          </p:cNvPicPr>
+          <p:nvPr/>
+        </p:nvPicPr>
+        <p:blipFill>
+          <a:blip r:embed="rId2">
+            <a:extLst>
+              <a:ext uri="{28A0092B-C50C-407E-A947-70E740481C1C}">
+                <a14:useLocalDpi xmlns:a14="http://schemas.microsoft.com/office/drawing/2010/main" val="0"/>
+              </a:ext>
+            </a:extLst>
+          </a:blip>
+          <a:srcRect/>
+          <a:stretch>
+            <a:fillRect/>
+          </a:stretch>
+        </p:blipFill>
+        <p:spPr bwMode="auto">
+          <a:xfrm>
+            <a:off x="2383463" y="3022454"/>
+            <a:ext cx="2632312" cy="1119618"/>
+          </a:xfrm>
+          <a:prstGeom prst="rect">
+            <a:avLst/>
+          </a:prstGeom>
+          <a:noFill/>
+          <a:extLst>
+            <a:ext uri="{909E8E84-426E-40DD-AFC4-6F175D3DCCD1}">
+              <a14:hiddenFill xmlns:a14="http://schemas.microsoft.com/office/drawing/2010/main">
+                <a:solidFill>
+                  <a:srgbClr val="FFFFFF"/>
+                </a:solidFill>
+              </a14:hiddenFill>
+            </a:ext>
+          </a:extLst>
+        </p:spPr>
+      </p:pic>
+      <p:sp>
+        <p:nvSpPr>
+          <p:cNvPr id="15" name="Arrow: Up 14"/>
+          <p:cNvSpPr/>
+          <p:nvPr/>
+        </p:nvSpPr>
+        <p:spPr>
+          <a:xfrm>
+            <a:off x="3368137" y="2719760"/>
+            <a:ext cx="425312" cy="453589"/>
+          </a:xfrm>
+          <a:prstGeom prst="upArrow">
+            <a:avLst/>
+          </a:prstGeom>
+        </p:spPr>
+        <p:style>
+          <a:lnRef idx="2">
+            <a:schemeClr val="accent1">
+              <a:shade val="50000"/>
+            </a:schemeClr>
+          </a:lnRef>
+          <a:fillRef idx="1">
+            <a:schemeClr val="accent1"/>
+          </a:fillRef>
+          <a:effectRef idx="0">
+            <a:schemeClr val="accent1"/>
+          </a:effectRef>
+          <a:fontRef idx="minor">
+            <a:schemeClr val="lt1"/>
+          </a:fontRef>
+        </p:style>
+        <p:txBody>
+          <a:bodyPr rtlCol="0" anchor="ctr"/>
+          <a:lstStyle/>
+          <a:p>
+            <a:pPr algn="ctr"/>
+            <a:endParaRPr lang="en-US"/>
+          </a:p>
+        </p:txBody>
+      </p:sp>
+      <p:sp>
+        <p:nvSpPr>
+          <p:cNvPr id="16" name="Arrow: Up 15"/>
+          <p:cNvSpPr/>
+          <p:nvPr/>
+        </p:nvSpPr>
+        <p:spPr>
+          <a:xfrm rot="16200000">
+            <a:off x="2076321" y="3328416"/>
+            <a:ext cx="351167" cy="525392"/>
+          </a:xfrm>
+          <a:prstGeom prst="upArrow">
+            <a:avLst/>
+          </a:prstGeom>
+        </p:spPr>
+        <p:style>
+          <a:lnRef idx="2">
+            <a:schemeClr val="accent1">
+              <a:shade val="50000"/>
+            </a:schemeClr>
+          </a:lnRef>
+          <a:fillRef idx="1">
+            <a:schemeClr val="accent1"/>
+          </a:fillRef>
+          <a:effectRef idx="0">
+            <a:schemeClr val="accent1"/>
+          </a:effectRef>
+          <a:fontRef idx="minor">
+            <a:schemeClr val="lt1"/>
+          </a:fontRef>
+        </p:style>
+        <p:txBody>
+          <a:bodyPr rtlCol="0" anchor="ctr"/>
+          <a:lstStyle/>
+          <a:p>
+            <a:pPr algn="ctr"/>
+            <a:endParaRPr lang="en-US"/>
+          </a:p>
+        </p:txBody>
+      </p:sp>
+      <p:sp>
+        <p:nvSpPr>
+          <p:cNvPr id="17" name="Arrow: Up 16"/>
+          <p:cNvSpPr/>
+          <p:nvPr/>
+        </p:nvSpPr>
+        <p:spPr>
+          <a:xfrm rot="14753744">
+            <a:off x="2295286" y="3875718"/>
+            <a:ext cx="351167" cy="708827"/>
+          </a:xfrm>
+          <a:prstGeom prst="upArrow">
+            <a:avLst/>
+          </a:prstGeom>
+        </p:spPr>
+        <p:style>
+          <a:lnRef idx="2">
+            <a:schemeClr val="accent1">
+              <a:shade val="50000"/>
+            </a:schemeClr>
+          </a:lnRef>
+          <a:fillRef idx="1">
+            <a:schemeClr val="accent1"/>
+          </a:fillRef>
+          <a:effectRef idx="0">
+            <a:schemeClr val="accent1"/>
+          </a:effectRef>
+          <a:fontRef idx="minor">
+            <a:schemeClr val="lt1"/>
+          </a:fontRef>
+        </p:style>
+        <p:txBody>
+          <a:bodyPr rtlCol="0" anchor="ctr"/>
+          <a:lstStyle/>
+          <a:p>
+            <a:pPr algn="ctr"/>
+            <a:endParaRPr lang="en-US"/>
+          </a:p>
+        </p:txBody>
+      </p:sp>
+      <p:sp>
+        <p:nvSpPr>
+          <p:cNvPr id="18" name="Arrow: Up 17"/>
+          <p:cNvSpPr/>
+          <p:nvPr/>
+        </p:nvSpPr>
+        <p:spPr>
+          <a:xfrm rot="7331690">
+            <a:off x="4184983" y="3908120"/>
+            <a:ext cx="351167" cy="708827"/>
+          </a:xfrm>
+          <a:prstGeom prst="upArrow">
+            <a:avLst/>
+          </a:prstGeom>
+        </p:spPr>
+        <p:style>
+          <a:lnRef idx="2">
+            <a:schemeClr val="accent1">
+              <a:shade val="50000"/>
+            </a:schemeClr>
+          </a:lnRef>
+          <a:fillRef idx="1">
+            <a:schemeClr val="accent1"/>
+          </a:fillRef>
+          <a:effectRef idx="0">
+            <a:schemeClr val="accent1"/>
+          </a:effectRef>
+          <a:fontRef idx="minor">
+            <a:schemeClr val="lt1"/>
+          </a:fontRef>
+        </p:style>
+        <p:txBody>
+          <a:bodyPr rtlCol="0" anchor="ctr"/>
+          <a:lstStyle/>
+          <a:p>
+            <a:pPr algn="ctr"/>
+            <a:endParaRPr lang="en-US"/>
+          </a:p>
+        </p:txBody>
+      </p:sp>
+      <p:sp>
+        <p:nvSpPr>
+          <p:cNvPr id="19" name="Arrow: Up 18"/>
+          <p:cNvSpPr/>
+          <p:nvPr/>
+        </p:nvSpPr>
+        <p:spPr>
+          <a:xfrm rot="5400000">
+            <a:off x="4969716" y="3339667"/>
+            <a:ext cx="351167" cy="351274"/>
+          </a:xfrm>
+          <a:prstGeom prst="upArrow">
+            <a:avLst/>
+          </a:prstGeom>
+        </p:spPr>
+        <p:style>
+          <a:lnRef idx="2">
+            <a:schemeClr val="accent1">
+              <a:shade val="50000"/>
+            </a:schemeClr>
+          </a:lnRef>
+          <a:fillRef idx="1">
+            <a:schemeClr val="accent1"/>
+          </a:fillRef>
+          <a:effectRef idx="0">
+            <a:schemeClr val="accent1"/>
+          </a:effectRef>
+          <a:fontRef idx="minor">
+            <a:schemeClr val="lt1"/>
+          </a:fontRef>
+        </p:style>
+        <p:txBody>
+          <a:bodyPr rtlCol="0" anchor="ctr"/>
+          <a:lstStyle/>
+          <a:p>
+            <a:pPr algn="ctr"/>
+            <a:endParaRPr lang="en-US"/>
+          </a:p>
+        </p:txBody>
+      </p:sp>
+      <p:sp>
+        <p:nvSpPr>
+          <p:cNvPr id="21" name="TextBox 20"/>
+          <p:cNvSpPr txBox="1"/>
+          <p:nvPr/>
+        </p:nvSpPr>
+        <p:spPr>
+          <a:xfrm>
+            <a:off x="7601975" y="1687413"/>
+            <a:ext cx="4439338" cy="369332"/>
+          </a:xfrm>
+          <a:prstGeom prst="rect">
+            <a:avLst/>
+          </a:prstGeom>
+          <a:solidFill>
+            <a:schemeClr val="bg2">
+              <a:lumMod val="25000"/>
+            </a:schemeClr>
+          </a:solidFill>
+        </p:spPr>
+        <p:txBody>
+          <a:bodyPr wrap="square" rtlCol="0">
+            <a:spAutoFit/>
+          </a:bodyPr>
+          <a:lstStyle/>
+          <a:p>
+            <a:pPr marL="285750" indent="-285750">
+              <a:buFont typeface="Wingdings" panose="05000000000000000000" pitchFamily="2" charset="2"/>
+              <a:buChar char="Ø"/>
+            </a:pPr>
+            <a:r>
+              <a:rPr lang="en-US" dirty="0">
+                <a:solidFill>
+                  <a:schemeClr val="bg1"/>
+                </a:solidFill>
+              </a:rPr>
+              <a:t>IDENTIFY TECHNOLOGIES SHAPING RETAIL</a:t>
+            </a:r>
+          </a:p>
+        </p:txBody>
+      </p:sp>
+      <p:sp>
+        <p:nvSpPr>
+          <p:cNvPr id="22" name="TextBox 21"/>
+          <p:cNvSpPr txBox="1"/>
+          <p:nvPr/>
+        </p:nvSpPr>
+        <p:spPr>
+          <a:xfrm>
+            <a:off x="7601975" y="2524391"/>
+            <a:ext cx="4439337" cy="369332"/>
+          </a:xfrm>
+          <a:prstGeom prst="rect">
+            <a:avLst/>
+          </a:prstGeom>
+          <a:solidFill>
+            <a:schemeClr val="bg2">
+              <a:lumMod val="25000"/>
+            </a:schemeClr>
+          </a:solidFill>
+        </p:spPr>
+        <p:txBody>
+          <a:bodyPr wrap="square" rtlCol="0">
+            <a:spAutoFit/>
+          </a:bodyPr>
+          <a:lstStyle>
+            <a:defPPr>
+              <a:defRPr lang="en-US"/>
+            </a:defPPr>
+            <a:lvl1pPr marL="285750" indent="-285750">
+              <a:buFont typeface="Wingdings" panose="05000000000000000000" pitchFamily="2" charset="2"/>
+              <a:buChar char="Ø"/>
+              <a:defRPr>
+                <a:solidFill>
+                  <a:schemeClr val="bg1"/>
+                </a:solidFill>
+              </a:defRPr>
+            </a:lvl1pPr>
+          </a:lstStyle>
+          <a:p>
+            <a:r>
+              <a:rPr lang="en-US" dirty="0"/>
+              <a:t>HIGHLIGHTING BENEFITS TO BUSINESS</a:t>
+            </a:r>
+          </a:p>
+        </p:txBody>
+      </p:sp>
+      <p:sp>
+        <p:nvSpPr>
+          <p:cNvPr id="23" name="TextBox 22"/>
+          <p:cNvSpPr txBox="1"/>
+          <p:nvPr/>
+        </p:nvSpPr>
+        <p:spPr>
+          <a:xfrm>
+            <a:off x="7601975" y="3403756"/>
+            <a:ext cx="4439338" cy="369332"/>
+          </a:xfrm>
+          <a:prstGeom prst="rect">
+            <a:avLst/>
+          </a:prstGeom>
+          <a:solidFill>
+            <a:schemeClr val="bg2">
+              <a:lumMod val="25000"/>
+            </a:schemeClr>
+          </a:solidFill>
+        </p:spPr>
+        <p:txBody>
+          <a:bodyPr wrap="square" rtlCol="0">
+            <a:spAutoFit/>
+          </a:bodyPr>
+          <a:lstStyle>
+            <a:defPPr>
+              <a:defRPr lang="en-US"/>
+            </a:defPPr>
+            <a:lvl1pPr marL="285750" indent="-285750">
+              <a:buFont typeface="Wingdings" panose="05000000000000000000" pitchFamily="2" charset="2"/>
+              <a:buChar char="Ø"/>
+              <a:defRPr>
+                <a:solidFill>
+                  <a:schemeClr val="bg1"/>
+                </a:solidFill>
+              </a:defRPr>
+            </a:lvl1pPr>
+          </a:lstStyle>
+          <a:p>
+            <a:r>
+              <a:rPr lang="en-US" dirty="0"/>
+              <a:t>CHALLENGES TO IMPLEMENTATION</a:t>
+            </a:r>
+          </a:p>
+        </p:txBody>
+      </p:sp>
+      <p:sp>
+        <p:nvSpPr>
+          <p:cNvPr id="24" name="TextBox 23"/>
+          <p:cNvSpPr txBox="1"/>
+          <p:nvPr/>
+        </p:nvSpPr>
+        <p:spPr>
+          <a:xfrm>
+            <a:off x="7601975" y="4269125"/>
+            <a:ext cx="4439335" cy="369332"/>
+          </a:xfrm>
+          <a:prstGeom prst="rect">
+            <a:avLst/>
+          </a:prstGeom>
+          <a:solidFill>
+            <a:schemeClr val="bg2">
+              <a:lumMod val="25000"/>
+            </a:schemeClr>
+          </a:solidFill>
+        </p:spPr>
+        <p:txBody>
+          <a:bodyPr wrap="square" rtlCol="0">
+            <a:spAutoFit/>
+          </a:bodyPr>
+          <a:lstStyle/>
+          <a:p>
+            <a:pPr algn="ctr"/>
+            <a:r>
+              <a:rPr lang="en-US" dirty="0">
+                <a:solidFill>
+                  <a:schemeClr val="bg1"/>
+                </a:solidFill>
+              </a:rPr>
+              <a:t>PREPARING POTENTIAL VENDORS LIST</a:t>
+            </a:r>
+          </a:p>
+        </p:txBody>
+      </p:sp>
+      <p:sp>
+        <p:nvSpPr>
+          <p:cNvPr id="28" name="TextBox 27"/>
+          <p:cNvSpPr txBox="1"/>
+          <p:nvPr/>
+        </p:nvSpPr>
+        <p:spPr>
+          <a:xfrm>
+            <a:off x="7601976" y="5140375"/>
+            <a:ext cx="4439334" cy="369332"/>
+          </a:xfrm>
+          <a:prstGeom prst="rect">
+            <a:avLst/>
+          </a:prstGeom>
+          <a:solidFill>
+            <a:schemeClr val="bg2">
+              <a:lumMod val="25000"/>
+            </a:schemeClr>
+          </a:solidFill>
+        </p:spPr>
+        <p:txBody>
+          <a:bodyPr wrap="square" rtlCol="0">
+            <a:spAutoFit/>
+          </a:bodyPr>
+          <a:lstStyle/>
+          <a:p>
+            <a:pPr algn="ctr"/>
+            <a:r>
+              <a:rPr lang="en-US" dirty="0">
+                <a:solidFill>
+                  <a:schemeClr val="bg1"/>
+                </a:solidFill>
+              </a:rPr>
+              <a:t>OVERALL SUMMARY AND ROADMAP</a:t>
+            </a:r>
+          </a:p>
+        </p:txBody>
+      </p:sp>
+    </p:spTree>
+    <p:extLst>
+      <p:ext uri="{BB962C8B-B14F-4D97-AF65-F5344CB8AC3E}">
+        <p14:creationId xmlns:p14="http://schemas.microsoft.com/office/powerpoint/2010/main" val="1573367021"/>
+      </p:ext>
+    </p:extLst>
+  </p:cSld>
+  <p:clrMapOvr>
+    <a:masterClrMapping/>
+  </p:clrMapOvr>
+</p:sld>
+</file>
+
 <file path=ppt/theme/theme1.xml><?xml version="1.0" encoding="utf-8"?>
 <a:theme xmlns:a="http://schemas.openxmlformats.org/drawingml/2006/main" name="Office Theme">
   <a:themeElements>

--- a/img/General_PPT.pptx
+++ b/img/General_PPT.pptx
@@ -10045,16 +10045,57 @@
               <a:lumOff val="40000"/>
             </a:schemeClr>
           </a:solidFill>
+          <a:ln>
+            <a:noFill/>
+          </a:ln>
+          <a:effectLst>
+            <a:outerShdw blurRad="44450" dist="27940" dir="5400000" algn="ctr">
+              <a:srgbClr val="000000">
+                <a:alpha val="32000"/>
+              </a:srgbClr>
+            </a:outerShdw>
+          </a:effectLst>
+          <a:scene3d>
+            <a:camera prst="orthographicFront">
+              <a:rot lat="0" lon="0" rev="0"/>
+            </a:camera>
+            <a:lightRig rig="balanced" dir="t">
+              <a:rot lat="0" lon="0" rev="8700000"/>
+            </a:lightRig>
+          </a:scene3d>
+          <a:sp3d>
+            <a:bevelT w="190500" h="38100"/>
+          </a:sp3d>
         </p:spPr>
+        <p:style>
+          <a:lnRef idx="2">
+            <a:schemeClr val="accent1">
+              <a:shade val="50000"/>
+            </a:schemeClr>
+          </a:lnRef>
+          <a:fillRef idx="1">
+            <a:schemeClr val="accent1"/>
+          </a:fillRef>
+          <a:effectRef idx="0">
+            <a:schemeClr val="accent1"/>
+          </a:effectRef>
+          <a:fontRef idx="minor">
+            <a:schemeClr val="lt1"/>
+          </a:fontRef>
+        </p:style>
         <p:txBody>
-          <a:bodyPr wrap="square" rtlCol="0">
-            <a:spAutoFit/>
-          </a:bodyPr>
+          <a:bodyPr rtlCol="0" anchor="ctr"/>
           <a:lstStyle>
             <a:defPPr>
               <a:defRPr lang="en-US"/>
             </a:defPPr>
-            <a:lvl1pPr algn="ctr"/>
+            <a:lvl1pPr algn="ctr">
+              <a:defRPr>
+                <a:solidFill>
+                  <a:schemeClr val="tx1"/>
+                </a:solidFill>
+              </a:defRPr>
+            </a:lvl1pPr>
           </a:lstStyle>
           <a:p>
             <a:r>
@@ -10084,41 +10125,27 @@
               <a:lumOff val="40000"/>
             </a:schemeClr>
           </a:solidFill>
-        </p:spPr>
-        <p:txBody>
-          <a:bodyPr wrap="square" rtlCol="0">
-            <a:spAutoFit/>
-          </a:bodyPr>
-          <a:lstStyle/>
-          <a:p>
-            <a:pPr algn="ctr"/>
-            <a:r>
-              <a:rPr lang="en-US" dirty="0"/>
-              <a:t>SYSTEM DIAGRAM</a:t>
-            </a:r>
-          </a:p>
-        </p:txBody>
-      </p:sp>
-      <p:sp>
-        <p:nvSpPr>
-          <p:cNvPr id="18" name="Rectangle: Rounded Corners 17"/>
-          <p:cNvSpPr/>
-          <p:nvPr/>
-        </p:nvSpPr>
-        <p:spPr>
-          <a:xfrm>
-            <a:off x="3349869" y="219808"/>
-            <a:ext cx="5187462" cy="448407"/>
-          </a:xfrm>
-          <a:prstGeom prst="roundRect">
-            <a:avLst/>
-          </a:prstGeom>
-          <a:solidFill>
-            <a:schemeClr val="accent2">
-              <a:lumMod val="60000"/>
-              <a:lumOff val="40000"/>
-            </a:schemeClr>
-          </a:solidFill>
+          <a:ln>
+            <a:noFill/>
+          </a:ln>
+          <a:effectLst>
+            <a:outerShdw blurRad="44450" dist="27940" dir="5400000" algn="ctr">
+              <a:srgbClr val="000000">
+                <a:alpha val="32000"/>
+              </a:srgbClr>
+            </a:outerShdw>
+          </a:effectLst>
+          <a:scene3d>
+            <a:camera prst="orthographicFront">
+              <a:rot lat="0" lon="0" rev="0"/>
+            </a:camera>
+            <a:lightRig rig="balanced" dir="t">
+              <a:rot lat="0" lon="0" rev="8700000"/>
+            </a:lightRig>
+          </a:scene3d>
+          <a:sp3d>
+            <a:bevelT w="190500" h="38100"/>
+          </a:sp3d>
         </p:spPr>
         <p:style>
           <a:lnRef idx="2">
@@ -10138,64 +10165,100 @@
         </p:style>
         <p:txBody>
           <a:bodyPr rtlCol="0" anchor="ctr"/>
-          <a:lstStyle/>
-          <a:p>
-            <a:pPr algn="ctr"/>
+          <a:lstStyle>
+            <a:defPPr>
+              <a:defRPr lang="en-US"/>
+            </a:defPPr>
+            <a:lvl1pPr algn="ctr"/>
+            <a:lvl2pPr>
+              <a:defRPr>
+                <a:solidFill>
+                  <a:schemeClr val="lt1"/>
+                </a:solidFill>
+              </a:defRPr>
+            </a:lvl2pPr>
+            <a:lvl3pPr>
+              <a:defRPr>
+                <a:solidFill>
+                  <a:schemeClr val="lt1"/>
+                </a:solidFill>
+              </a:defRPr>
+            </a:lvl3pPr>
+            <a:lvl4pPr>
+              <a:defRPr>
+                <a:solidFill>
+                  <a:schemeClr val="lt1"/>
+                </a:solidFill>
+              </a:defRPr>
+            </a:lvl4pPr>
+            <a:lvl5pPr>
+              <a:defRPr>
+                <a:solidFill>
+                  <a:schemeClr val="lt1"/>
+                </a:solidFill>
+              </a:defRPr>
+            </a:lvl5pPr>
+            <a:lvl6pPr>
+              <a:defRPr>
+                <a:solidFill>
+                  <a:schemeClr val="lt1"/>
+                </a:solidFill>
+              </a:defRPr>
+            </a:lvl6pPr>
+            <a:lvl7pPr>
+              <a:defRPr>
+                <a:solidFill>
+                  <a:schemeClr val="lt1"/>
+                </a:solidFill>
+              </a:defRPr>
+            </a:lvl7pPr>
+            <a:lvl8pPr>
+              <a:defRPr>
+                <a:solidFill>
+                  <a:schemeClr val="lt1"/>
+                </a:solidFill>
+              </a:defRPr>
+            </a:lvl8pPr>
+            <a:lvl9pPr>
+              <a:defRPr>
+                <a:solidFill>
+                  <a:schemeClr val="lt1"/>
+                </a:solidFill>
+              </a:defRPr>
+            </a:lvl9pPr>
+          </a:lstStyle>
+          <a:p>
             <a:r>
               <a:rPr lang="en-US" dirty="0">
                 <a:solidFill>
                   <a:schemeClr val="tx1"/>
                 </a:solidFill>
               </a:rPr>
-              <a:t>A GLIMPSE OF THE SYSTEM</a:t>
+              <a:t>SYSTEM DIAGRAM</a:t>
             </a:r>
           </a:p>
         </p:txBody>
       </p:sp>
-    </p:spTree>
-    <p:extLst>
-      <p:ext uri="{BB962C8B-B14F-4D97-AF65-F5344CB8AC3E}">
-        <p14:creationId xmlns:p14="http://schemas.microsoft.com/office/powerpoint/2010/main" val="1949370342"/>
-      </p:ext>
-    </p:extLst>
-  </p:cSld>
-  <p:clrMapOvr>
-    <a:masterClrMapping/>
-  </p:clrMapOvr>
-</p:sld>
-</file>
-
-<file path=ppt/slides/slide3.xml><?xml version="1.0" encoding="utf-8"?>
-<p:sld xmlns:a="http://schemas.openxmlformats.org/drawingml/2006/main" xmlns:r="http://schemas.openxmlformats.org/officeDocument/2006/relationships" xmlns:p="http://schemas.openxmlformats.org/presentationml/2006/main">
-  <p:cSld>
-    <p:spTree>
-      <p:nvGrpSpPr>
-        <p:cNvPr id="1" name=""/>
-        <p:cNvGrpSpPr/>
-        <p:nvPr/>
-      </p:nvGrpSpPr>
-      <p:grpSpPr>
-        <a:xfrm>
-          <a:off x="0" y="0"/>
-          <a:ext cx="0" cy="0"/>
-          <a:chOff x="0" y="0"/>
-          <a:chExt cx="0" cy="0"/>
-        </a:xfrm>
-      </p:grpSpPr>
       <p:sp>
         <p:nvSpPr>
-          <p:cNvPr id="5" name="Flowchart: Alternate Process 4"/>
+          <p:cNvPr id="18" name="Rectangle: Rounded Corners 17"/>
           <p:cNvSpPr/>
           <p:nvPr/>
         </p:nvSpPr>
         <p:spPr>
           <a:xfrm>
-            <a:off x="4044458" y="131883"/>
-            <a:ext cx="3516923" cy="1116624"/>
+            <a:off x="2391926" y="194389"/>
+            <a:ext cx="6177308" cy="448407"/>
           </a:xfrm>
-          <a:prstGeom prst="flowChartAlternateProcess">
+          <a:prstGeom prst="roundRect">
             <a:avLst/>
           </a:prstGeom>
+          <a:solidFill>
+            <a:schemeClr val="accent2">
+              <a:lumMod val="60000"/>
+              <a:lumOff val="40000"/>
+            </a:schemeClr>
+          </a:solidFill>
           <a:ln>
             <a:noFill/>
           </a:ln>
@@ -10241,22 +10304,122 @@
             <a:pPr algn="ctr"/>
             <a:r>
               <a:rPr lang="en-US" b="1" dirty="0">
-                <a:ln w="6600">
-                  <a:solidFill>
-                    <a:schemeClr val="accent2"/>
-                  </a:solidFill>
-                  <a:prstDash val="solid"/>
-                </a:ln>
                 <a:solidFill>
-                  <a:srgbClr val="FFFFFF"/>
+                  <a:schemeClr val="tx1"/>
+                </a:solidFill>
+              </a:rPr>
+              <a:t>SYSTEM ANALYSIS AND DESIGN - A GLIMPSE OF THE SYSTEM</a:t>
+            </a:r>
+          </a:p>
+        </p:txBody>
+      </p:sp>
+    </p:spTree>
+    <p:extLst>
+      <p:ext uri="{BB962C8B-B14F-4D97-AF65-F5344CB8AC3E}">
+        <p14:creationId xmlns:p14="http://schemas.microsoft.com/office/powerpoint/2010/main" val="1949370342"/>
+      </p:ext>
+    </p:extLst>
+  </p:cSld>
+  <p:clrMapOvr>
+    <a:masterClrMapping/>
+  </p:clrMapOvr>
+</p:sld>
+</file>
+
+<file path=ppt/slides/slide3.xml><?xml version="1.0" encoding="utf-8"?>
+<p:sld xmlns:a="http://schemas.openxmlformats.org/drawingml/2006/main" xmlns:r="http://schemas.openxmlformats.org/officeDocument/2006/relationships" xmlns:p="http://schemas.openxmlformats.org/presentationml/2006/main">
+  <p:cSld>
+    <p:spTree>
+      <p:nvGrpSpPr>
+        <p:cNvPr id="1" name=""/>
+        <p:cNvGrpSpPr/>
+        <p:nvPr/>
+      </p:nvGrpSpPr>
+      <p:grpSpPr>
+        <a:xfrm>
+          <a:off x="0" y="0"/>
+          <a:ext cx="0" cy="0"/>
+          <a:chOff x="0" y="0"/>
+          <a:chExt cx="0" cy="0"/>
+        </a:xfrm>
+      </p:grpSpPr>
+      <p:sp>
+        <p:nvSpPr>
+          <p:cNvPr id="5" name="Flowchart: Alternate Process 4"/>
+          <p:cNvSpPr/>
+          <p:nvPr/>
+        </p:nvSpPr>
+        <p:spPr>
+          <a:xfrm>
+            <a:off x="2647406" y="131883"/>
+            <a:ext cx="5523220" cy="1116624"/>
+          </a:xfrm>
+          <a:prstGeom prst="flowChartAlternateProcess">
+            <a:avLst/>
+          </a:prstGeom>
+          <a:solidFill>
+            <a:schemeClr val="accent5">
+              <a:lumMod val="75000"/>
+            </a:schemeClr>
+          </a:solidFill>
+          <a:ln>
+            <a:noFill/>
+          </a:ln>
+          <a:effectLst>
+            <a:outerShdw blurRad="44450" dist="27940" dir="5400000" algn="ctr">
+              <a:srgbClr val="000000">
+                <a:alpha val="32000"/>
+              </a:srgbClr>
+            </a:outerShdw>
+          </a:effectLst>
+          <a:scene3d>
+            <a:camera prst="orthographicFront">
+              <a:rot lat="0" lon="0" rev="0"/>
+            </a:camera>
+            <a:lightRig rig="balanced" dir="t">
+              <a:rot lat="0" lon="0" rev="8700000"/>
+            </a:lightRig>
+          </a:scene3d>
+          <a:sp3d>
+            <a:bevelT w="190500" h="38100"/>
+          </a:sp3d>
+        </p:spPr>
+        <p:style>
+          <a:lnRef idx="2">
+            <a:schemeClr val="accent1">
+              <a:shade val="50000"/>
+            </a:schemeClr>
+          </a:lnRef>
+          <a:fillRef idx="1">
+            <a:schemeClr val="accent1"/>
+          </a:fillRef>
+          <a:effectRef idx="0">
+            <a:schemeClr val="accent1"/>
+          </a:effectRef>
+          <a:fontRef idx="minor">
+            <a:schemeClr val="lt1"/>
+          </a:fontRef>
+        </p:style>
+        <p:txBody>
+          <a:bodyPr rtlCol="0" anchor="ctr"/>
+          <a:lstStyle/>
+          <a:p>
+            <a:pPr algn="ctr"/>
+            <a:r>
+              <a:rPr lang="en-US" sz="2000" b="1" dirty="0">
+                <a:ln w="0"/>
+                <a:solidFill>
+                  <a:srgbClr val="FFC000"/>
                 </a:solidFill>
                 <a:effectLst>
-                  <a:outerShdw dist="38100" dir="2700000" algn="tl" rotWithShape="0">
-                    <a:schemeClr val="accent2"/>
+                  <a:outerShdw blurRad="38100" dist="19050" dir="2700000" algn="tl" rotWithShape="0">
+                    <a:schemeClr val="dk1">
+                      <a:alpha val="40000"/>
+                    </a:schemeClr>
                   </a:outerShdw>
                 </a:effectLst>
               </a:rPr>
-              <a:t>PROJECT MANAGEMENT PLAN FOR ERP IMPLEMENTATION</a:t>
+              <a:t>PROJECT MANAGEMENT - ERP IMPLEMENTATION</a:t>
             </a:r>
           </a:p>
         </p:txBody>
@@ -11093,45 +11256,82 @@
         </p:nvSpPr>
         <p:spPr>
           <a:xfrm>
-            <a:off x="229424" y="261488"/>
-            <a:ext cx="9572701" cy="584268"/>
+            <a:off x="1332411" y="308898"/>
+            <a:ext cx="8098972" cy="587917"/>
           </a:xfrm>
           <a:prstGeom prst="rect">
             <a:avLst/>
           </a:prstGeom>
           <a:solidFill>
-            <a:schemeClr val="accent1">
-              <a:lumMod val="50000"/>
+            <a:schemeClr val="accent5">
+              <a:lumMod val="75000"/>
             </a:schemeClr>
           </a:solidFill>
           <a:ln>
             <a:noFill/>
           </a:ln>
+          <a:effectLst>
+            <a:outerShdw blurRad="44450" dist="27940" dir="5400000" algn="ctr">
+              <a:srgbClr val="000000">
+                <a:alpha val="32000"/>
+              </a:srgbClr>
+            </a:outerShdw>
+          </a:effectLst>
+          <a:scene3d>
+            <a:camera prst="orthographicFront">
+              <a:rot lat="0" lon="0" rev="0"/>
+            </a:camera>
+            <a:lightRig rig="balanced" dir="t">
+              <a:rot lat="0" lon="0" rev="8700000"/>
+            </a:lightRig>
+          </a:scene3d>
+          <a:sp3d>
+            <a:bevelT w="190500" h="38100"/>
+          </a:sp3d>
         </p:spPr>
+        <p:style>
+          <a:lnRef idx="2">
+            <a:schemeClr val="accent1">
+              <a:shade val="50000"/>
+            </a:schemeClr>
+          </a:lnRef>
+          <a:fillRef idx="1">
+            <a:schemeClr val="accent1"/>
+          </a:fillRef>
+          <a:effectRef idx="0">
+            <a:schemeClr val="accent1"/>
+          </a:effectRef>
+          <a:fontRef idx="minor">
+            <a:schemeClr val="lt1"/>
+          </a:fontRef>
+        </p:style>
         <p:txBody>
-          <a:bodyPr wrap="square" lIns="91425" tIns="45700" rIns="91425" bIns="45700" anchor="t" anchorCtr="0">
-            <a:noAutofit/>
+          <a:bodyPr rtlCol="0" anchor="ctr">
+            <a:normAutofit fontScale="90000"/>
           </a:bodyPr>
           <a:lstStyle/>
           <a:p>
-            <a:pPr marL="0" marR="0" lvl="0" indent="0" algn="ctr" rtl="0">
-              <a:spcBef>
-                <a:spcPts val="0"/>
-              </a:spcBef>
-              <a:buClr>
-                <a:schemeClr val="accent1"/>
-              </a:buClr>
-              <a:buSzPct val="25000"/>
-              <a:buFont typeface="Trebuchet MS"/>
-              <a:buNone/>
-            </a:pPr>
+            <a:pPr algn="ctr"/>
             <a:r>
-              <a:rPr lang="en-US" sz="3600" dirty="0">
+              <a:rPr lang="en-US" sz="2000" b="1" dirty="0">
+                <a:ln w="0"/>
                 <a:solidFill>
-                  <a:schemeClr val="bg1"/>
+                  <a:schemeClr val="bg1">
+                    <a:lumMod val="95000"/>
+                  </a:schemeClr>
                 </a:solidFill>
+                <a:effectLst>
+                  <a:outerShdw blurRad="38100" dist="19050" dir="2700000" algn="tl" rotWithShape="0">
+                    <a:schemeClr val="dk1">
+                      <a:alpha val="40000"/>
+                    </a:schemeClr>
+                  </a:outerShdw>
+                </a:effectLst>
+                <a:latin typeface="+mn-lt"/>
+                <a:ea typeface="+mn-ea"/>
+                <a:cs typeface="+mn-cs"/>
               </a:rPr>
-              <a:t>TECHNOLOGIES IMPACTING RETAIL INDUSTRY</a:t>
+              <a:t>STRATEGIC PLANNING MODELS - TECHNOLOGIES IMPACTING RETAIL INDUSTRY</a:t>
             </a:r>
           </a:p>
         </p:txBody>
@@ -11200,7 +11400,7 @@
         <p:spPr>
           <a:xfrm>
             <a:off x="49311" y="4595466"/>
-            <a:ext cx="2297810" cy="1736620"/>
+            <a:ext cx="2334152" cy="1736620"/>
           </a:xfrm>
           <a:prstGeom prst="ellipse">
             <a:avLst/>
@@ -11748,7 +11948,7 @@
         <p:spPr>
           <a:xfrm>
             <a:off x="7601975" y="1687413"/>
-            <a:ext cx="4439338" cy="369332"/>
+            <a:ext cx="4439338" cy="646331"/>
           </a:xfrm>
           <a:prstGeom prst="rect">
             <a:avLst/>
@@ -11775,7 +11975,7 @@
                   <a:schemeClr val="bg1"/>
                 </a:solidFill>
               </a:rPr>
-              <a:t>IDENTIFY TECHNOLOGIES SHAPING RETAIL</a:t>
+              <a:t>IDENTIFY TRENDING TECHNOLOGIES SHAPING RETAIL INDUSTRY</a:t>
             </a:r>
           </a:p>
         </p:txBody>
@@ -11788,8 +11988,8 @@
         </p:nvSpPr>
         <p:spPr>
           <a:xfrm>
-            <a:off x="7601975" y="2524391"/>
-            <a:ext cx="4439337" cy="369332"/>
+            <a:off x="7601974" y="2590684"/>
+            <a:ext cx="4439337" cy="646331"/>
           </a:xfrm>
           <a:prstGeom prst="rect">
             <a:avLst/>
@@ -11821,7 +12021,7 @@
           <a:p>
             <a:r>
               <a:rPr lang="en-US" dirty="0"/>
-              <a:t>HIGHLIGHTING BENEFITS TO BUSINESS</a:t>
+              <a:t>HIGHLIGHT BENEFITS TO BUSINESS THROUGH EACH TECHNOLOGY</a:t>
             </a:r>
           </a:p>
         </p:txBody>
@@ -11834,7 +12034,7 @@
         </p:nvSpPr>
         <p:spPr>
           <a:xfrm>
-            <a:off x="7601975" y="3403756"/>
+            <a:off x="7601974" y="3612399"/>
             <a:ext cx="4439338" cy="369332"/>
           </a:xfrm>
           <a:prstGeom prst="rect">
@@ -11867,7 +12067,15 @@
           <a:p>
             <a:r>
               <a:rPr lang="en-US" dirty="0"/>
-              <a:t>CHALLENGES TO IMPLEMENTATION</a:t>
+              <a:t>ADDRESS </a:t>
+            </a:r>
+            <a:r>
+              <a:rPr lang="en-US" dirty="0"/>
+              <a:t>IMPLEMENTATION </a:t>
+            </a:r>
+            <a:r>
+              <a:rPr lang="en-US" dirty="0"/>
+              <a:t>CHALLENGES</a:t>
             </a:r>
           </a:p>
         </p:txBody>
@@ -11880,7 +12088,7 @@
         </p:nvSpPr>
         <p:spPr>
           <a:xfrm>
-            <a:off x="7601975" y="4269125"/>
+            <a:off x="7601975" y="4376387"/>
             <a:ext cx="4439335" cy="369332"/>
           </a:xfrm>
           <a:prstGeom prst="rect">
@@ -11905,7 +12113,7 @@
                   <a:schemeClr val="bg1"/>
                 </a:solidFill>
               </a:rPr>
-              <a:t>PREPARING POTENTIAL VENDORS LIST</a:t>
+              <a:t>SHORTLIST POTENTIAL VENDORS LIST</a:t>
             </a:r>
           </a:p>
         </p:txBody>
@@ -11919,7 +12127,7 @@
         <p:spPr>
           <a:xfrm>
             <a:off x="7601976" y="5140375"/>
-            <a:ext cx="4439334" cy="369332"/>
+            <a:ext cx="4439334" cy="646331"/>
           </a:xfrm>
           <a:prstGeom prst="rect">
             <a:avLst/>
@@ -11943,7 +12151,7 @@
                   <a:schemeClr val="bg1"/>
                 </a:solidFill>
               </a:rPr>
-              <a:t>OVERALL SUMMARY AND ROADMAP</a:t>
+              <a:t>SHARE OVERALL SUMMARY AND FUTURE ROADMAP</a:t>
             </a:r>
           </a:p>
         </p:txBody>

--- a/img/General_PPT.pptx
+++ b/img/General_PPT.pptx
@@ -3378,7 +3378,7 @@
         </a:bodyPr>
         <a:lstStyle/>
         <a:p>
-          <a:pPr marL="0" lvl="0" indent="0" algn="ctr" defTabSz="44450">
+          <a:pPr marL="0" lvl="0" indent="0" algn="ctr" defTabSz="400050">
             <a:lnSpc>
               <a:spcPct val="90000"/>
             </a:lnSpc>
@@ -3390,7 +3390,7 @@
             </a:spcAft>
             <a:buNone/>
           </a:pPr>
-          <a:endParaRPr lang="en-US" sz="100" kern="1200"/>
+          <a:endParaRPr lang="en-US" sz="900" kern="1200"/>
         </a:p>
       </dsp:txBody>
       <dsp:txXfrm>
@@ -3526,7 +3526,7 @@
         </a:bodyPr>
         <a:lstStyle/>
         <a:p>
-          <a:pPr marL="0" lvl="0" indent="0" algn="ctr" defTabSz="44450">
+          <a:pPr marL="0" lvl="0" indent="0" algn="ctr" defTabSz="400050">
             <a:lnSpc>
               <a:spcPct val="90000"/>
             </a:lnSpc>
@@ -3538,7 +3538,7 @@
             </a:spcAft>
             <a:buNone/>
           </a:pPr>
-          <a:endParaRPr lang="en-US" sz="100" kern="1200"/>
+          <a:endParaRPr lang="en-US" sz="900" kern="1200"/>
         </a:p>
       </dsp:txBody>
       <dsp:txXfrm rot="10800000">
@@ -6303,7 +6303,7 @@
           <a:p>
             <a:fld id="{5ED8A272-91DA-4E2F-B9E1-B66E578A3FD3}" type="datetimeFigureOut">
               <a:rPr lang="en-US" smtClean="0"/>
-              <a:t>9/24/2017</a:t>
+              <a:t>9/25/2017</a:t>
             </a:fld>
             <a:endParaRPr lang="en-US"/>
           </a:p>
@@ -6471,7 +6471,7 @@
           <a:p>
             <a:fld id="{5ED8A272-91DA-4E2F-B9E1-B66E578A3FD3}" type="datetimeFigureOut">
               <a:rPr lang="en-US" smtClean="0"/>
-              <a:t>9/24/2017</a:t>
+              <a:t>9/25/2017</a:t>
             </a:fld>
             <a:endParaRPr lang="en-US"/>
           </a:p>
@@ -6649,7 +6649,7 @@
           <a:p>
             <a:fld id="{5ED8A272-91DA-4E2F-B9E1-B66E578A3FD3}" type="datetimeFigureOut">
               <a:rPr lang="en-US" smtClean="0"/>
-              <a:t>9/24/2017</a:t>
+              <a:t>9/25/2017</a:t>
             </a:fld>
             <a:endParaRPr lang="en-US"/>
           </a:p>
@@ -6817,7 +6817,7 @@
           <a:p>
             <a:fld id="{5ED8A272-91DA-4E2F-B9E1-B66E578A3FD3}" type="datetimeFigureOut">
               <a:rPr lang="en-US" smtClean="0"/>
-              <a:t>9/24/2017</a:t>
+              <a:t>9/25/2017</a:t>
             </a:fld>
             <a:endParaRPr lang="en-US"/>
           </a:p>
@@ -7062,7 +7062,7 @@
           <a:p>
             <a:fld id="{5ED8A272-91DA-4E2F-B9E1-B66E578A3FD3}" type="datetimeFigureOut">
               <a:rPr lang="en-US" smtClean="0"/>
-              <a:t>9/24/2017</a:t>
+              <a:t>9/25/2017</a:t>
             </a:fld>
             <a:endParaRPr lang="en-US"/>
           </a:p>
@@ -7291,7 +7291,7 @@
           <a:p>
             <a:fld id="{5ED8A272-91DA-4E2F-B9E1-B66E578A3FD3}" type="datetimeFigureOut">
               <a:rPr lang="en-US" smtClean="0"/>
-              <a:t>9/24/2017</a:t>
+              <a:t>9/25/2017</a:t>
             </a:fld>
             <a:endParaRPr lang="en-US"/>
           </a:p>
@@ -7655,7 +7655,7 @@
           <a:p>
             <a:fld id="{5ED8A272-91DA-4E2F-B9E1-B66E578A3FD3}" type="datetimeFigureOut">
               <a:rPr lang="en-US" smtClean="0"/>
-              <a:t>9/24/2017</a:t>
+              <a:t>9/25/2017</a:t>
             </a:fld>
             <a:endParaRPr lang="en-US"/>
           </a:p>
@@ -7772,7 +7772,7 @@
           <a:p>
             <a:fld id="{5ED8A272-91DA-4E2F-B9E1-B66E578A3FD3}" type="datetimeFigureOut">
               <a:rPr lang="en-US" smtClean="0"/>
-              <a:t>9/24/2017</a:t>
+              <a:t>9/25/2017</a:t>
             </a:fld>
             <a:endParaRPr lang="en-US"/>
           </a:p>
@@ -7867,7 +7867,7 @@
           <a:p>
             <a:fld id="{5ED8A272-91DA-4E2F-B9E1-B66E578A3FD3}" type="datetimeFigureOut">
               <a:rPr lang="en-US" smtClean="0"/>
-              <a:t>9/24/2017</a:t>
+              <a:t>9/25/2017</a:t>
             </a:fld>
             <a:endParaRPr lang="en-US"/>
           </a:p>
@@ -8142,7 +8142,7 @@
           <a:p>
             <a:fld id="{5ED8A272-91DA-4E2F-B9E1-B66E578A3FD3}" type="datetimeFigureOut">
               <a:rPr lang="en-US" smtClean="0"/>
-              <a:t>9/24/2017</a:t>
+              <a:t>9/25/2017</a:t>
             </a:fld>
             <a:endParaRPr lang="en-US"/>
           </a:p>
@@ -8394,7 +8394,7 @@
           <a:p>
             <a:fld id="{5ED8A272-91DA-4E2F-B9E1-B66E578A3FD3}" type="datetimeFigureOut">
               <a:rPr lang="en-US" smtClean="0"/>
-              <a:t>9/24/2017</a:t>
+              <a:t>9/25/2017</a:t>
             </a:fld>
             <a:endParaRPr lang="en-US"/>
           </a:p>
@@ -8605,7 +8605,7 @@
           <a:p>
             <a:fld id="{5ED8A272-91DA-4E2F-B9E1-B66E578A3FD3}" type="datetimeFigureOut">
               <a:rPr lang="en-US" smtClean="0"/>
-              <a:t>9/24/2017</a:t>
+              <a:t>9/25/2017</a:t>
             </a:fld>
             <a:endParaRPr lang="en-US"/>
           </a:p>
@@ -12067,15 +12067,7 @@
           <a:p>
             <a:r>
               <a:rPr lang="en-US" dirty="0"/>
-              <a:t>ADDRESS </a:t>
-            </a:r>
-            <a:r>
-              <a:rPr lang="en-US" dirty="0"/>
-              <a:t>IMPLEMENTATION </a:t>
-            </a:r>
-            <a:r>
-              <a:rPr lang="en-US" dirty="0"/>
-              <a:t>CHALLENGES</a:t>
+              <a:t>ADDRESS IMPLEMENTATION CHALLENGES</a:t>
             </a:r>
           </a:p>
         </p:txBody>
@@ -12106,7 +12098,10 @@
           </a:bodyPr>
           <a:lstStyle/>
           <a:p>
-            <a:pPr algn="ctr"/>
+            <a:pPr marL="285750" indent="-285750">
+              <a:buFont typeface="Wingdings" panose="05000000000000000000" pitchFamily="2" charset="2"/>
+              <a:buChar char="Ø"/>
+            </a:pPr>
             <a:r>
               <a:rPr lang="en-US" dirty="0">
                 <a:solidFill>
@@ -12126,8 +12121,8 @@
         </p:nvSpPr>
         <p:spPr>
           <a:xfrm>
-            <a:off x="7601976" y="5140375"/>
-            <a:ext cx="4439334" cy="646331"/>
+            <a:off x="7601974" y="5140375"/>
+            <a:ext cx="4439336" cy="646331"/>
           </a:xfrm>
           <a:prstGeom prst="rect">
             <a:avLst/>
@@ -12142,15 +12137,23 @@
           <a:bodyPr wrap="square" rtlCol="0">
             <a:spAutoFit/>
           </a:bodyPr>
-          <a:lstStyle/>
-          <a:p>
-            <a:pPr algn="ctr"/>
-            <a:r>
-              <a:rPr lang="en-US" dirty="0">
+          <a:lstStyle>
+            <a:defPPr>
+              <a:defRPr lang="en-US"/>
+            </a:defPPr>
+            <a:lvl1pPr marL="285750" indent="-285750" algn="ctr">
+              <a:buFont typeface="Wingdings" panose="05000000000000000000" pitchFamily="2" charset="2"/>
+              <a:buChar char="Ø"/>
+              <a:defRPr>
                 <a:solidFill>
                   <a:schemeClr val="bg1"/>
                 </a:solidFill>
-              </a:rPr>
+              </a:defRPr>
+            </a:lvl1pPr>
+          </a:lstStyle>
+          <a:p>
+            <a:r>
+              <a:rPr lang="en-US" dirty="0"/>
               <a:t>SHARE OVERALL SUMMARY AND FUTURE ROADMAP</a:t>
             </a:r>
           </a:p>

--- a/img/General_PPT.pptx
+++ b/img/General_PPT.pptx
@@ -10,6 +10,8 @@
     <p:sldId id="259" r:id="rId4"/>
     <p:sldId id="260" r:id="rId5"/>
     <p:sldId id="261" r:id="rId6"/>
+    <p:sldId id="262" r:id="rId7"/>
+    <p:sldId id="263" r:id="rId8"/>
   </p:sldIdLst>
   <p:sldSz cx="12192000" cy="6858000"/>
   <p:notesSz cx="6858000" cy="9144000"/>
@@ -114,6 +116,10 @@
     </p:ext>
   </p:extLst>
 </p:presentation>
+</file>
+
+<file path=ppt/revisionInfo.xml><?xml version="1.0" encoding="utf-8"?>
+<p1510:revInfo xmlns:a="http://schemas.openxmlformats.org/drawingml/2006/main" xmlns:r="http://schemas.openxmlformats.org/officeDocument/2006/relationships" xmlns:p1510="http://schemas.microsoft.com/office/powerpoint/2015/10/main"/>
 </file>
 
 <file path=ppt/diagrams/colors1.xml><?xml version="1.0" encoding="utf-8"?>
@@ -6303,7 +6309,7 @@
           <a:p>
             <a:fld id="{5ED8A272-91DA-4E2F-B9E1-B66E578A3FD3}" type="datetimeFigureOut">
               <a:rPr lang="en-US" smtClean="0"/>
-              <a:t>9/25/2017</a:t>
+              <a:t>10/18/2017</a:t>
             </a:fld>
             <a:endParaRPr lang="en-US"/>
           </a:p>
@@ -6471,7 +6477,7 @@
           <a:p>
             <a:fld id="{5ED8A272-91DA-4E2F-B9E1-B66E578A3FD3}" type="datetimeFigureOut">
               <a:rPr lang="en-US" smtClean="0"/>
-              <a:t>9/25/2017</a:t>
+              <a:t>10/18/2017</a:t>
             </a:fld>
             <a:endParaRPr lang="en-US"/>
           </a:p>
@@ -6649,7 +6655,7 @@
           <a:p>
             <a:fld id="{5ED8A272-91DA-4E2F-B9E1-B66E578A3FD3}" type="datetimeFigureOut">
               <a:rPr lang="en-US" smtClean="0"/>
-              <a:t>9/25/2017</a:t>
+              <a:t>10/18/2017</a:t>
             </a:fld>
             <a:endParaRPr lang="en-US"/>
           </a:p>
@@ -6817,7 +6823,7 @@
           <a:p>
             <a:fld id="{5ED8A272-91DA-4E2F-B9E1-B66E578A3FD3}" type="datetimeFigureOut">
               <a:rPr lang="en-US" smtClean="0"/>
-              <a:t>9/25/2017</a:t>
+              <a:t>10/18/2017</a:t>
             </a:fld>
             <a:endParaRPr lang="en-US"/>
           </a:p>
@@ -7062,7 +7068,7 @@
           <a:p>
             <a:fld id="{5ED8A272-91DA-4E2F-B9E1-B66E578A3FD3}" type="datetimeFigureOut">
               <a:rPr lang="en-US" smtClean="0"/>
-              <a:t>9/25/2017</a:t>
+              <a:t>10/18/2017</a:t>
             </a:fld>
             <a:endParaRPr lang="en-US"/>
           </a:p>
@@ -7291,7 +7297,7 @@
           <a:p>
             <a:fld id="{5ED8A272-91DA-4E2F-B9E1-B66E578A3FD3}" type="datetimeFigureOut">
               <a:rPr lang="en-US" smtClean="0"/>
-              <a:t>9/25/2017</a:t>
+              <a:t>10/18/2017</a:t>
             </a:fld>
             <a:endParaRPr lang="en-US"/>
           </a:p>
@@ -7655,7 +7661,7 @@
           <a:p>
             <a:fld id="{5ED8A272-91DA-4E2F-B9E1-B66E578A3FD3}" type="datetimeFigureOut">
               <a:rPr lang="en-US" smtClean="0"/>
-              <a:t>9/25/2017</a:t>
+              <a:t>10/18/2017</a:t>
             </a:fld>
             <a:endParaRPr lang="en-US"/>
           </a:p>
@@ -7772,7 +7778,7 @@
           <a:p>
             <a:fld id="{5ED8A272-91DA-4E2F-B9E1-B66E578A3FD3}" type="datetimeFigureOut">
               <a:rPr lang="en-US" smtClean="0"/>
-              <a:t>9/25/2017</a:t>
+              <a:t>10/18/2017</a:t>
             </a:fld>
             <a:endParaRPr lang="en-US"/>
           </a:p>
@@ -7867,7 +7873,7 @@
           <a:p>
             <a:fld id="{5ED8A272-91DA-4E2F-B9E1-B66E578A3FD3}" type="datetimeFigureOut">
               <a:rPr lang="en-US" smtClean="0"/>
-              <a:t>9/25/2017</a:t>
+              <a:t>10/18/2017</a:t>
             </a:fld>
             <a:endParaRPr lang="en-US"/>
           </a:p>
@@ -8142,7 +8148,7 @@
           <a:p>
             <a:fld id="{5ED8A272-91DA-4E2F-B9E1-B66E578A3FD3}" type="datetimeFigureOut">
               <a:rPr lang="en-US" smtClean="0"/>
-              <a:t>9/25/2017</a:t>
+              <a:t>10/18/2017</a:t>
             </a:fld>
             <a:endParaRPr lang="en-US"/>
           </a:p>
@@ -8394,7 +8400,7 @@
           <a:p>
             <a:fld id="{5ED8A272-91DA-4E2F-B9E1-B66E578A3FD3}" type="datetimeFigureOut">
               <a:rPr lang="en-US" smtClean="0"/>
-              <a:t>9/25/2017</a:t>
+              <a:t>10/18/2017</a:t>
             </a:fld>
             <a:endParaRPr lang="en-US"/>
           </a:p>
@@ -8605,7 +8611,7 @@
           <a:p>
             <a:fld id="{5ED8A272-91DA-4E2F-B9E1-B66E578A3FD3}" type="datetimeFigureOut">
               <a:rPr lang="en-US" smtClean="0"/>
-              <a:t>9/25/2017</a:t>
+              <a:t>10/18/2017</a:t>
             </a:fld>
             <a:endParaRPr lang="en-US"/>
           </a:p>
@@ -11256,7 +11262,7 @@
         </p:nvSpPr>
         <p:spPr>
           <a:xfrm>
-            <a:off x="1332411" y="308898"/>
+            <a:off x="1332411" y="291314"/>
             <a:ext cx="8098972" cy="587917"/>
           </a:xfrm>
           <a:prstGeom prst="rect">
@@ -12163,6 +12169,325 @@
     <p:extLst>
       <p:ext uri="{BB962C8B-B14F-4D97-AF65-F5344CB8AC3E}">
         <p14:creationId xmlns:p14="http://schemas.microsoft.com/office/powerpoint/2010/main" val="1573367021"/>
+      </p:ext>
+    </p:extLst>
+  </p:cSld>
+  <p:clrMapOvr>
+    <a:masterClrMapping/>
+  </p:clrMapOvr>
+</p:sld>
+</file>
+
+<file path=ppt/slides/slide6.xml><?xml version="1.0" encoding="utf-8"?>
+<p:sld xmlns:a="http://schemas.openxmlformats.org/drawingml/2006/main" xmlns:r="http://schemas.openxmlformats.org/officeDocument/2006/relationships" xmlns:p="http://schemas.openxmlformats.org/presentationml/2006/main">
+  <p:cSld>
+    <p:spTree>
+      <p:nvGrpSpPr>
+        <p:cNvPr id="1" name=""/>
+        <p:cNvGrpSpPr/>
+        <p:nvPr/>
+      </p:nvGrpSpPr>
+      <p:grpSpPr>
+        <a:xfrm>
+          <a:off x="0" y="0"/>
+          <a:ext cx="0" cy="0"/>
+          <a:chOff x="0" y="0"/>
+          <a:chExt cx="0" cy="0"/>
+        </a:xfrm>
+      </p:grpSpPr>
+      <p:sp>
+        <p:nvSpPr>
+          <p:cNvPr id="4" name="Shape 154">
+            <a:extLst>
+              <a:ext uri="{FF2B5EF4-FFF2-40B4-BE49-F238E27FC236}">
+                <a16:creationId xmlns:a16="http://schemas.microsoft.com/office/drawing/2014/main" id="{004EADAD-7EA8-4CE0-BEA7-4B1181316533}"/>
+              </a:ext>
+            </a:extLst>
+          </p:cNvPr>
+          <p:cNvSpPr txBox="1">
+            <a:spLocks noGrp="1"/>
+          </p:cNvSpPr>
+          <p:nvPr>
+            <p:ph type="title"/>
+          </p:nvPr>
+        </p:nvSpPr>
+        <p:spPr>
+          <a:xfrm>
+            <a:off x="1947872" y="308899"/>
+            <a:ext cx="8098972" cy="587917"/>
+          </a:xfrm>
+          <a:prstGeom prst="rect">
+            <a:avLst/>
+          </a:prstGeom>
+          <a:solidFill>
+            <a:schemeClr val="accent5">
+              <a:lumMod val="75000"/>
+            </a:schemeClr>
+          </a:solidFill>
+          <a:ln>
+            <a:noFill/>
+          </a:ln>
+          <a:effectLst>
+            <a:outerShdw blurRad="44450" dist="27940" dir="5400000" algn="ctr">
+              <a:srgbClr val="000000">
+                <a:alpha val="32000"/>
+              </a:srgbClr>
+            </a:outerShdw>
+          </a:effectLst>
+          <a:scene3d>
+            <a:camera prst="orthographicFront">
+              <a:rot lat="0" lon="0" rev="0"/>
+            </a:camera>
+            <a:lightRig rig="balanced" dir="t">
+              <a:rot lat="0" lon="0" rev="8700000"/>
+            </a:lightRig>
+          </a:scene3d>
+          <a:sp3d>
+            <a:bevelT w="190500" h="38100"/>
+          </a:sp3d>
+        </p:spPr>
+        <p:style>
+          <a:lnRef idx="2">
+            <a:schemeClr val="accent1">
+              <a:shade val="50000"/>
+            </a:schemeClr>
+          </a:lnRef>
+          <a:fillRef idx="1">
+            <a:schemeClr val="accent1"/>
+          </a:fillRef>
+          <a:effectRef idx="0">
+            <a:schemeClr val="accent1"/>
+          </a:effectRef>
+          <a:fontRef idx="minor">
+            <a:schemeClr val="lt1"/>
+          </a:fontRef>
+        </p:style>
+        <p:txBody>
+          <a:bodyPr rtlCol="0" anchor="ctr">
+            <a:normAutofit/>
+          </a:bodyPr>
+          <a:lstStyle/>
+          <a:p>
+            <a:pPr algn="ctr"/>
+            <a:r>
+              <a:rPr lang="en-US" sz="2000" b="1" dirty="0">
+                <a:ln w="0"/>
+                <a:solidFill>
+                  <a:schemeClr val="bg1">
+                    <a:lumMod val="95000"/>
+                  </a:schemeClr>
+                </a:solidFill>
+                <a:effectLst>
+                  <a:outerShdw blurRad="38100" dist="19050" dir="2700000" algn="tl" rotWithShape="0">
+                    <a:schemeClr val="dk1">
+                      <a:alpha val="40000"/>
+                    </a:schemeClr>
+                  </a:outerShdw>
+                </a:effectLst>
+                <a:latin typeface="+mn-lt"/>
+                <a:ea typeface="+mn-ea"/>
+                <a:cs typeface="+mn-cs"/>
+              </a:rPr>
+              <a:t>FLOOD DATA VISUALIZATION AND ANALYSIS USING TABLEAU</a:t>
+            </a:r>
+          </a:p>
+        </p:txBody>
+      </p:sp>
+      <p:pic>
+        <p:nvPicPr>
+          <p:cNvPr id="6" name="Picture 5">
+            <a:extLst>
+              <a:ext uri="{FF2B5EF4-FFF2-40B4-BE49-F238E27FC236}">
+                <a16:creationId xmlns:a16="http://schemas.microsoft.com/office/drawing/2014/main" id="{A903CB67-288B-4FF3-92EB-E7DB7777C8BF}"/>
+              </a:ext>
+            </a:extLst>
+          </p:cNvPr>
+          <p:cNvPicPr>
+            <a:picLocks noChangeAspect="1"/>
+          </p:cNvPicPr>
+          <p:nvPr/>
+        </p:nvPicPr>
+        <p:blipFill rotWithShape="1">
+          <a:blip r:embed="rId2">
+            <a:extLst>
+              <a:ext uri="{28A0092B-C50C-407E-A947-70E740481C1C}">
+                <a14:useLocalDpi xmlns:a14="http://schemas.microsoft.com/office/drawing/2010/main" val="0"/>
+              </a:ext>
+            </a:extLst>
+          </a:blip>
+          <a:srcRect t="12778" r="2212" b="8964"/>
+          <a:stretch/>
+        </p:blipFill>
+        <p:spPr>
+          <a:xfrm>
+            <a:off x="269631" y="1051414"/>
+            <a:ext cx="11922369" cy="5366971"/>
+          </a:xfrm>
+          <a:prstGeom prst="rect">
+            <a:avLst/>
+          </a:prstGeom>
+          <a:ln>
+            <a:noFill/>
+          </a:ln>
+          <a:effectLst>
+            <a:outerShdw blurRad="292100" dist="139700" dir="2700000" algn="tl" rotWithShape="0">
+              <a:srgbClr val="333333">
+                <a:alpha val="65000"/>
+              </a:srgbClr>
+            </a:outerShdw>
+          </a:effectLst>
+        </p:spPr>
+      </p:pic>
+    </p:spTree>
+    <p:extLst>
+      <p:ext uri="{BB962C8B-B14F-4D97-AF65-F5344CB8AC3E}">
+        <p14:creationId xmlns:p14="http://schemas.microsoft.com/office/powerpoint/2010/main" val="651439338"/>
+      </p:ext>
+    </p:extLst>
+  </p:cSld>
+  <p:clrMapOvr>
+    <a:masterClrMapping/>
+  </p:clrMapOvr>
+</p:sld>
+</file>
+
+<file path=ppt/slides/slide7.xml><?xml version="1.0" encoding="utf-8"?>
+<p:sld xmlns:a="http://schemas.openxmlformats.org/drawingml/2006/main" xmlns:r="http://schemas.openxmlformats.org/officeDocument/2006/relationships" xmlns:p="http://schemas.openxmlformats.org/presentationml/2006/main">
+  <p:cSld>
+    <p:spTree>
+      <p:nvGrpSpPr>
+        <p:cNvPr id="1" name=""/>
+        <p:cNvGrpSpPr/>
+        <p:nvPr/>
+      </p:nvGrpSpPr>
+      <p:grpSpPr>
+        <a:xfrm>
+          <a:off x="0" y="0"/>
+          <a:ext cx="0" cy="0"/>
+          <a:chOff x="0" y="0"/>
+          <a:chExt cx="0" cy="0"/>
+        </a:xfrm>
+      </p:grpSpPr>
+      <p:sp>
+        <p:nvSpPr>
+          <p:cNvPr id="4" name="Rectangle: Rounded Corners 3">
+            <a:extLst>
+              <a:ext uri="{FF2B5EF4-FFF2-40B4-BE49-F238E27FC236}">
+                <a16:creationId xmlns:a16="http://schemas.microsoft.com/office/drawing/2014/main" id="{CEA34294-C4DD-420E-8380-6A3A1E174392}"/>
+              </a:ext>
+            </a:extLst>
+          </p:cNvPr>
+          <p:cNvSpPr/>
+          <p:nvPr/>
+        </p:nvSpPr>
+        <p:spPr>
+          <a:xfrm>
+            <a:off x="2653184" y="455646"/>
+            <a:ext cx="7350788" cy="448407"/>
+          </a:xfrm>
+          <a:prstGeom prst="roundRect">
+            <a:avLst/>
+          </a:prstGeom>
+          <a:solidFill>
+            <a:schemeClr val="accent2">
+              <a:lumMod val="60000"/>
+              <a:lumOff val="40000"/>
+            </a:schemeClr>
+          </a:solidFill>
+          <a:ln>
+            <a:noFill/>
+          </a:ln>
+          <a:effectLst>
+            <a:outerShdw blurRad="44450" dist="27940" dir="5400000" algn="ctr">
+              <a:srgbClr val="000000">
+                <a:alpha val="32000"/>
+              </a:srgbClr>
+            </a:outerShdw>
+          </a:effectLst>
+          <a:scene3d>
+            <a:camera prst="orthographicFront">
+              <a:rot lat="0" lon="0" rev="0"/>
+            </a:camera>
+            <a:lightRig rig="balanced" dir="t">
+              <a:rot lat="0" lon="0" rev="8700000"/>
+            </a:lightRig>
+          </a:scene3d>
+          <a:sp3d>
+            <a:bevelT w="190500" h="38100"/>
+          </a:sp3d>
+        </p:spPr>
+        <p:style>
+          <a:lnRef idx="2">
+            <a:schemeClr val="accent1">
+              <a:shade val="50000"/>
+            </a:schemeClr>
+          </a:lnRef>
+          <a:fillRef idx="1">
+            <a:schemeClr val="accent1"/>
+          </a:fillRef>
+          <a:effectRef idx="0">
+            <a:schemeClr val="accent1"/>
+          </a:effectRef>
+          <a:fontRef idx="minor">
+            <a:schemeClr val="lt1"/>
+          </a:fontRef>
+        </p:style>
+        <p:txBody>
+          <a:bodyPr rtlCol="0" anchor="ctr"/>
+          <a:lstStyle/>
+          <a:p>
+            <a:pPr algn="ctr"/>
+            <a:r>
+              <a:rPr lang="en-US" b="1" dirty="0">
+                <a:solidFill>
+                  <a:schemeClr val="tx1"/>
+                </a:solidFill>
+              </a:rPr>
+              <a:t>MICROSTRATEGY- Creating Layouts and Panels to Generate Dashboards</a:t>
+            </a:r>
+          </a:p>
+        </p:txBody>
+      </p:sp>
+      <p:pic>
+        <p:nvPicPr>
+          <p:cNvPr id="6" name="Picture 5">
+            <a:extLst>
+              <a:ext uri="{FF2B5EF4-FFF2-40B4-BE49-F238E27FC236}">
+                <a16:creationId xmlns:a16="http://schemas.microsoft.com/office/drawing/2014/main" id="{5E893D21-5B38-4F39-9637-AD81FFB1C532}"/>
+              </a:ext>
+            </a:extLst>
+          </p:cNvPr>
+          <p:cNvPicPr>
+            <a:picLocks noChangeAspect="1"/>
+          </p:cNvPicPr>
+          <p:nvPr/>
+        </p:nvPicPr>
+        <p:blipFill>
+          <a:blip r:embed="rId2">
+            <a:extLst>
+              <a:ext uri="{28A0092B-C50C-407E-A947-70E740481C1C}">
+                <a14:useLocalDpi xmlns:a14="http://schemas.microsoft.com/office/drawing/2010/main" val="0"/>
+              </a:ext>
+            </a:extLst>
+          </a:blip>
+          <a:stretch>
+            <a:fillRect/>
+          </a:stretch>
+        </p:blipFill>
+        <p:spPr>
+          <a:xfrm>
+            <a:off x="-326571" y="1066800"/>
+            <a:ext cx="12192000" cy="6858000"/>
+          </a:xfrm>
+          <a:prstGeom prst="rect">
+            <a:avLst/>
+          </a:prstGeom>
+        </p:spPr>
+      </p:pic>
+    </p:spTree>
+    <p:extLst>
+      <p:ext uri="{BB962C8B-B14F-4D97-AF65-F5344CB8AC3E}">
+        <p14:creationId xmlns:p14="http://schemas.microsoft.com/office/powerpoint/2010/main" val="466804913"/>
       </p:ext>
     </p:extLst>
   </p:cSld>
